--- a/presentation materials/ConnectIU_slide_final.pptx
+++ b/presentation materials/ConnectIU_slide_final.pptx
@@ -207,7 +207,7 @@
           <a:p>
             <a:fld id="{B213A9E0-1065-6449-AFE5-C0636A9A2BC4}" type="datetimeFigureOut">
               <a:rPr lang="en-US" smtClean="0"/>
-              <a:t>2/20/22</a:t>
+              <a:t>4/9/22</a:t>
             </a:fld>
             <a:endParaRPr lang="en-US"/>
           </a:p>
@@ -789,7 +789,7 @@
           <a:p>
             <a:fld id="{F4C345AF-44C9-0144-B6BB-2994BCDC337F}" type="datetimeFigureOut">
               <a:rPr lang="en-US" smtClean="0"/>
-              <a:t>2/20/22</a:t>
+              <a:t>4/9/22</a:t>
             </a:fld>
             <a:endParaRPr lang="en-US"/>
           </a:p>
@@ -987,7 +987,7 @@
           <a:p>
             <a:fld id="{F4C345AF-44C9-0144-B6BB-2994BCDC337F}" type="datetimeFigureOut">
               <a:rPr lang="en-US" smtClean="0"/>
-              <a:t>2/20/22</a:t>
+              <a:t>4/9/22</a:t>
             </a:fld>
             <a:endParaRPr lang="en-US"/>
           </a:p>
@@ -1195,7 +1195,7 @@
           <a:p>
             <a:fld id="{F4C345AF-44C9-0144-B6BB-2994BCDC337F}" type="datetimeFigureOut">
               <a:rPr lang="en-US" smtClean="0"/>
-              <a:t>2/20/22</a:t>
+              <a:t>4/9/22</a:t>
             </a:fld>
             <a:endParaRPr lang="en-US"/>
           </a:p>
@@ -1393,7 +1393,7 @@
           <a:p>
             <a:fld id="{F4C345AF-44C9-0144-B6BB-2994BCDC337F}" type="datetimeFigureOut">
               <a:rPr lang="en-US" smtClean="0"/>
-              <a:t>2/20/22</a:t>
+              <a:t>4/9/22</a:t>
             </a:fld>
             <a:endParaRPr lang="en-US"/>
           </a:p>
@@ -1668,7 +1668,7 @@
           <a:p>
             <a:fld id="{F4C345AF-44C9-0144-B6BB-2994BCDC337F}" type="datetimeFigureOut">
               <a:rPr lang="en-US" smtClean="0"/>
-              <a:t>2/20/22</a:t>
+              <a:t>4/9/22</a:t>
             </a:fld>
             <a:endParaRPr lang="en-US"/>
           </a:p>
@@ -1933,7 +1933,7 @@
           <a:p>
             <a:fld id="{F4C345AF-44C9-0144-B6BB-2994BCDC337F}" type="datetimeFigureOut">
               <a:rPr lang="en-US" smtClean="0"/>
-              <a:t>2/20/22</a:t>
+              <a:t>4/9/22</a:t>
             </a:fld>
             <a:endParaRPr lang="en-US"/>
           </a:p>
@@ -2345,7 +2345,7 @@
           <a:p>
             <a:fld id="{F4C345AF-44C9-0144-B6BB-2994BCDC337F}" type="datetimeFigureOut">
               <a:rPr lang="en-US" smtClean="0"/>
-              <a:t>2/20/22</a:t>
+              <a:t>4/9/22</a:t>
             </a:fld>
             <a:endParaRPr lang="en-US"/>
           </a:p>
@@ -2486,7 +2486,7 @@
           <a:p>
             <a:fld id="{F4C345AF-44C9-0144-B6BB-2994BCDC337F}" type="datetimeFigureOut">
               <a:rPr lang="en-US" smtClean="0"/>
-              <a:t>2/20/22</a:t>
+              <a:t>4/9/22</a:t>
             </a:fld>
             <a:endParaRPr lang="en-US"/>
           </a:p>
@@ -2599,7 +2599,7 @@
           <a:p>
             <a:fld id="{F4C345AF-44C9-0144-B6BB-2994BCDC337F}" type="datetimeFigureOut">
               <a:rPr lang="en-US" smtClean="0"/>
-              <a:t>2/20/22</a:t>
+              <a:t>4/9/22</a:t>
             </a:fld>
             <a:endParaRPr lang="en-US"/>
           </a:p>
@@ -2910,7 +2910,7 @@
           <a:p>
             <a:fld id="{F4C345AF-44C9-0144-B6BB-2994BCDC337F}" type="datetimeFigureOut">
               <a:rPr lang="en-US" smtClean="0"/>
-              <a:t>2/20/22</a:t>
+              <a:t>4/9/22</a:t>
             </a:fld>
             <a:endParaRPr lang="en-US"/>
           </a:p>
@@ -3198,7 +3198,7 @@
           <a:p>
             <a:fld id="{F4C345AF-44C9-0144-B6BB-2994BCDC337F}" type="datetimeFigureOut">
               <a:rPr lang="en-US" smtClean="0"/>
-              <a:t>2/20/22</a:t>
+              <a:t>4/9/22</a:t>
             </a:fld>
             <a:endParaRPr lang="en-US"/>
           </a:p>
@@ -3439,7 +3439,7 @@
           <a:p>
             <a:fld id="{F4C345AF-44C9-0144-B6BB-2994BCDC337F}" type="datetimeFigureOut">
               <a:rPr lang="en-US" smtClean="0"/>
-              <a:t>2/20/22</a:t>
+              <a:t>4/9/22</a:t>
             </a:fld>
             <a:endParaRPr lang="en-US"/>
           </a:p>
